--- a/system_config/system_flow.pptx
+++ b/system_config/system_flow.pptx
@@ -113,6 +113,50 @@
     </p:ext>
   </p:extLst>
 </p:presentation>
+</file>
+
+<file path=ppt/changesInfos/changesInfo1.xml><?xml version="1.0" encoding="utf-8"?>
+<pc:chgInfo xmlns:a="http://schemas.openxmlformats.org/drawingml/2006/main" xmlns:r="http://schemas.openxmlformats.org/officeDocument/2006/relationships" xmlns:ac="http://schemas.microsoft.com/office/drawing/2013/main/command" xmlns:pc="http://schemas.microsoft.com/office/powerpoint/2013/main/command">
+  <pc:docChgLst>
+    <pc:chgData name="吉川 孟志" userId="2660d78f4ea70cf8" providerId="LiveId" clId="{C5053D9A-7B0F-4CEE-AEA0-AD768F1FCDC7}"/>
+    <pc:docChg chg="custSel modSld">
+      <pc:chgData name="吉川 孟志" userId="2660d78f4ea70cf8" providerId="LiveId" clId="{C5053D9A-7B0F-4CEE-AEA0-AD768F1FCDC7}" dt="2021-09-06T00:26:04.573" v="11" actId="20577"/>
+      <pc:docMkLst>
+        <pc:docMk/>
+      </pc:docMkLst>
+      <pc:sldChg chg="modSp mod">
+        <pc:chgData name="吉川 孟志" userId="2660d78f4ea70cf8" providerId="LiveId" clId="{C5053D9A-7B0F-4CEE-AEA0-AD768F1FCDC7}" dt="2021-09-06T00:25:56.949" v="9" actId="27636"/>
+        <pc:sldMkLst>
+          <pc:docMk/>
+          <pc:sldMk cId="1291812492" sldId="256"/>
+        </pc:sldMkLst>
+        <pc:spChg chg="mod">
+          <ac:chgData name="吉川 孟志" userId="2660d78f4ea70cf8" providerId="LiveId" clId="{C5053D9A-7B0F-4CEE-AEA0-AD768F1FCDC7}" dt="2021-09-06T00:25:56.949" v="9" actId="27636"/>
+          <ac:spMkLst>
+            <pc:docMk/>
+            <pc:sldMk cId="1291812492" sldId="256"/>
+            <ac:spMk id="4" creationId="{37B2E182-3B86-469E-96B7-9CECB79CADA9}"/>
+          </ac:spMkLst>
+        </pc:spChg>
+      </pc:sldChg>
+      <pc:sldChg chg="modSp mod">
+        <pc:chgData name="吉川 孟志" userId="2660d78f4ea70cf8" providerId="LiveId" clId="{C5053D9A-7B0F-4CEE-AEA0-AD768F1FCDC7}" dt="2021-09-06T00:26:04.573" v="11" actId="20577"/>
+        <pc:sldMkLst>
+          <pc:docMk/>
+          <pc:sldMk cId="3589539969" sldId="257"/>
+        </pc:sldMkLst>
+        <pc:spChg chg="mod">
+          <ac:chgData name="吉川 孟志" userId="2660d78f4ea70cf8" providerId="LiveId" clId="{C5053D9A-7B0F-4CEE-AEA0-AD768F1FCDC7}" dt="2021-09-06T00:26:04.573" v="11" actId="20577"/>
+          <ac:spMkLst>
+            <pc:docMk/>
+            <pc:sldMk cId="3589539969" sldId="257"/>
+            <ac:spMk id="5" creationId="{2FFF9E7F-CBA4-45F8-A3C4-E867112CCF32}"/>
+          </ac:spMkLst>
+        </pc:spChg>
+      </pc:sldChg>
+    </pc:docChg>
+  </pc:docChgLst>
+</pc:chgInfo>
 </file>
 
 <file path=ppt/diagrams/colors1.xml><?xml version="1.0" encoding="utf-8"?>
@@ -3343,7 +3387,7 @@
           <a:p>
             <a:fld id="{E26CA89B-8147-4E33-A4D6-E4FBBCE4D114}" type="datetimeFigureOut">
               <a:rPr kumimoji="1" lang="ja-JP" altLang="en-US" smtClean="0"/>
-              <a:t>2021/8/31</a:t>
+              <a:t>2021/9/6</a:t>
             </a:fld>
             <a:endParaRPr kumimoji="1" lang="ja-JP" altLang="en-US"/>
           </a:p>
@@ -3573,7 +3617,7 @@
           <a:p>
             <a:fld id="{E26CA89B-8147-4E33-A4D6-E4FBBCE4D114}" type="datetimeFigureOut">
               <a:rPr kumimoji="1" lang="ja-JP" altLang="en-US" smtClean="0"/>
-              <a:t>2021/8/31</a:t>
+              <a:t>2021/9/6</a:t>
             </a:fld>
             <a:endParaRPr kumimoji="1" lang="ja-JP" altLang="en-US"/>
           </a:p>
@@ -3813,7 +3857,7 @@
           <a:p>
             <a:fld id="{E26CA89B-8147-4E33-A4D6-E4FBBCE4D114}" type="datetimeFigureOut">
               <a:rPr kumimoji="1" lang="ja-JP" altLang="en-US" smtClean="0"/>
-              <a:t>2021/8/31</a:t>
+              <a:t>2021/9/6</a:t>
             </a:fld>
             <a:endParaRPr kumimoji="1" lang="ja-JP" altLang="en-US"/>
           </a:p>
@@ -4043,7 +4087,7 @@
           <a:p>
             <a:fld id="{E26CA89B-8147-4E33-A4D6-E4FBBCE4D114}" type="datetimeFigureOut">
               <a:rPr kumimoji="1" lang="ja-JP" altLang="en-US" smtClean="0"/>
-              <a:t>2021/8/31</a:t>
+              <a:t>2021/9/6</a:t>
             </a:fld>
             <a:endParaRPr kumimoji="1" lang="ja-JP" altLang="en-US"/>
           </a:p>
@@ -4318,7 +4362,7 @@
           <a:p>
             <a:fld id="{E26CA89B-8147-4E33-A4D6-E4FBBCE4D114}" type="datetimeFigureOut">
               <a:rPr kumimoji="1" lang="ja-JP" altLang="en-US" smtClean="0"/>
-              <a:t>2021/8/31</a:t>
+              <a:t>2021/9/6</a:t>
             </a:fld>
             <a:endParaRPr kumimoji="1" lang="ja-JP" altLang="en-US"/>
           </a:p>
@@ -4647,7 +4691,7 @@
           <a:p>
             <a:fld id="{E26CA89B-8147-4E33-A4D6-E4FBBCE4D114}" type="datetimeFigureOut">
               <a:rPr kumimoji="1" lang="ja-JP" altLang="en-US" smtClean="0"/>
-              <a:t>2021/8/31</a:t>
+              <a:t>2021/9/6</a:t>
             </a:fld>
             <a:endParaRPr kumimoji="1" lang="ja-JP" altLang="en-US"/>
           </a:p>
@@ -5123,7 +5167,7 @@
           <a:p>
             <a:fld id="{E26CA89B-8147-4E33-A4D6-E4FBBCE4D114}" type="datetimeFigureOut">
               <a:rPr kumimoji="1" lang="ja-JP" altLang="en-US" smtClean="0"/>
-              <a:t>2021/8/31</a:t>
+              <a:t>2021/9/6</a:t>
             </a:fld>
             <a:endParaRPr kumimoji="1" lang="ja-JP" altLang="en-US"/>
           </a:p>
@@ -5264,7 +5308,7 @@
           <a:p>
             <a:fld id="{E26CA89B-8147-4E33-A4D6-E4FBBCE4D114}" type="datetimeFigureOut">
               <a:rPr kumimoji="1" lang="ja-JP" altLang="en-US" smtClean="0"/>
-              <a:t>2021/8/31</a:t>
+              <a:t>2021/9/6</a:t>
             </a:fld>
             <a:endParaRPr kumimoji="1" lang="ja-JP" altLang="en-US"/>
           </a:p>
@@ -5377,7 +5421,7 @@
           <a:p>
             <a:fld id="{E26CA89B-8147-4E33-A4D6-E4FBBCE4D114}" type="datetimeFigureOut">
               <a:rPr kumimoji="1" lang="ja-JP" altLang="en-US" smtClean="0"/>
-              <a:t>2021/8/31</a:t>
+              <a:t>2021/9/6</a:t>
             </a:fld>
             <a:endParaRPr kumimoji="1" lang="ja-JP" altLang="en-US"/>
           </a:p>
@@ -5720,7 +5764,7 @@
           <a:p>
             <a:fld id="{E26CA89B-8147-4E33-A4D6-E4FBBCE4D114}" type="datetimeFigureOut">
               <a:rPr kumimoji="1" lang="ja-JP" altLang="en-US" smtClean="0"/>
-              <a:t>2021/8/31</a:t>
+              <a:t>2021/9/6</a:t>
             </a:fld>
             <a:endParaRPr kumimoji="1" lang="ja-JP" altLang="en-US"/>
           </a:p>
@@ -6008,7 +6052,7 @@
           <a:p>
             <a:fld id="{E26CA89B-8147-4E33-A4D6-E4FBBCE4D114}" type="datetimeFigureOut">
               <a:rPr kumimoji="1" lang="ja-JP" altLang="en-US" smtClean="0"/>
-              <a:t>2021/8/31</a:t>
+              <a:t>2021/9/6</a:t>
             </a:fld>
             <a:endParaRPr kumimoji="1" lang="ja-JP" altLang="en-US"/>
           </a:p>
@@ -6281,7 +6325,7 @@
           <a:p>
             <a:fld id="{E26CA89B-8147-4E33-A4D6-E4FBBCE4D114}" type="datetimeFigureOut">
               <a:rPr kumimoji="1" lang="ja-JP" altLang="en-US" smtClean="0"/>
-              <a:t>2021/8/31</a:t>
+              <a:t>2021/9/6</a:t>
             </a:fld>
             <a:endParaRPr kumimoji="1" lang="ja-JP" altLang="en-US"/>
           </a:p>
@@ -6747,7 +6791,7 @@
                   </a:glow>
                 </a:effectLst>
               </a:rPr>
-              <a:t>Bit_composer</a:t>
+              <a:t>bit_composer</a:t>
             </a:r>
             <a:r>
               <a:rPr lang="ja-JP" altLang="en-US" sz="3200" b="1" spc="50" dirty="0">
@@ -7047,8 +7091,12 @@
               <a:buChar char="•"/>
             </a:pPr>
             <a:r>
+              <a:rPr lang="en-US" altLang="ja-JP" dirty="0"/>
+              <a:t>b</a:t>
+            </a:r>
+            <a:r>
               <a:rPr kumimoji="1" lang="en-US" altLang="ja-JP" dirty="0"/>
-              <a:t>Bit Composer </a:t>
+              <a:t>it Composer </a:t>
             </a:r>
             <a:r>
               <a:rPr kumimoji="1" lang="ja-JP" altLang="en-US" dirty="0"/>
@@ -9632,8 +9680,8 @@
           </a:prstGeom>
         </p:spPr>
       </p:pic>
-      <mc:AlternateContent xmlns:mc="http://schemas.openxmlformats.org/markup-compatibility/2006">
-        <mc:Choice xmlns:p14="http://schemas.microsoft.com/office/powerpoint/2010/main" Requires="p14">
+      <mc:AlternateContent xmlns:mc="http://schemas.openxmlformats.org/markup-compatibility/2006" xmlns:p14="http://schemas.microsoft.com/office/powerpoint/2010/main">
+        <mc:Choice Requires="p14">
           <p:contentPart p14:bwMode="auto" r:id="rId13">
             <p14:nvContentPartPr>
               <p14:cNvPr id="79" name="インク 78">
@@ -9652,7 +9700,7 @@
             </p14:xfrm>
           </p:contentPart>
         </mc:Choice>
-        <mc:Fallback>
+        <mc:Fallback xmlns="">
           <p:pic>
             <p:nvPicPr>
               <p:cNvPr id="79" name="インク 78">
